--- a/CHING JIAN/C_Class/02_流程控制大法.pptx
+++ b/CHING JIAN/C_Class/02_流程控制大法.pptx
@@ -231,7 +231,7 @@
           <a:p>
             <a:fld id="{3829F076-822F-4A1E-B104-9D9E5204E598}" type="datetimeFigureOut">
               <a:rPr lang="zh-TW" altLang="en-US" smtClean="0"/>
-              <a:t>2020/12/12</a:t>
+              <a:t>2021/1/11</a:t>
             </a:fld>
             <a:endParaRPr lang="zh-TW" altLang="en-US"/>
           </a:p>
@@ -1245,7 +1245,7 @@
             <a:fld id="{B61BEF0D-F0BB-DE4B-95CE-6DB70DBA9567}" type="datetimeFigureOut">
               <a:rPr lang="en-US" dirty="0"/>
               <a:pPr/>
-              <a:t>12/12/2020</a:t>
+              <a:t>1/11/2021</a:t>
             </a:fld>
             <a:endParaRPr lang="en-US" dirty="0"/>
           </a:p>
@@ -1294,6 +1294,155 @@
           </a:p>
         </p:txBody>
       </p:sp>
+      <p:grpSp>
+        <p:nvGrpSpPr>
+          <p:cNvPr id="18" name="群組 17"/>
+          <p:cNvGrpSpPr/>
+          <p:nvPr userDrawn="1"/>
+        </p:nvGrpSpPr>
+        <p:grpSpPr>
+          <a:xfrm>
+            <a:off x="391162" y="5190835"/>
+            <a:ext cx="914625" cy="807425"/>
+            <a:chOff x="1173311" y="676438"/>
+            <a:chExt cx="1463040" cy="1262399"/>
+          </a:xfrm>
+        </p:grpSpPr>
+        <p:sp>
+          <p:nvSpPr>
+            <p:cNvPr id="28" name="六邊形 27"/>
+            <p:cNvSpPr/>
+            <p:nvPr/>
+          </p:nvSpPr>
+          <p:spPr>
+            <a:xfrm>
+              <a:off x="1173311" y="676438"/>
+              <a:ext cx="1463040" cy="1262399"/>
+            </a:xfrm>
+            <a:prstGeom prst="hexagon">
+              <a:avLst/>
+            </a:prstGeom>
+            <a:gradFill flip="none" rotWithShape="1">
+              <a:gsLst>
+                <a:gs pos="0">
+                  <a:schemeClr val="accent2">
+                    <a:lumMod val="60000"/>
+                    <a:lumOff val="40000"/>
+                  </a:schemeClr>
+                </a:gs>
+                <a:gs pos="44000">
+                  <a:schemeClr val="accent2">
+                    <a:lumMod val="89000"/>
+                  </a:schemeClr>
+                </a:gs>
+                <a:gs pos="74000">
+                  <a:schemeClr val="accent2">
+                    <a:lumMod val="75000"/>
+                  </a:schemeClr>
+                </a:gs>
+                <a:gs pos="97000">
+                  <a:schemeClr val="accent2">
+                    <a:lumMod val="70000"/>
+                  </a:schemeClr>
+                </a:gs>
+              </a:gsLst>
+              <a:path path="circle">
+                <a:fillToRect l="50000" t="50000" r="50000" b="50000"/>
+              </a:path>
+              <a:tileRect/>
+            </a:gradFill>
+            <a:ln>
+              <a:noFill/>
+            </a:ln>
+          </p:spPr>
+          <p:style>
+            <a:lnRef idx="2">
+              <a:schemeClr val="accent1">
+                <a:shade val="50000"/>
+              </a:schemeClr>
+            </a:lnRef>
+            <a:fillRef idx="1">
+              <a:schemeClr val="accent1"/>
+            </a:fillRef>
+            <a:effectRef idx="0">
+              <a:schemeClr val="accent1"/>
+            </a:effectRef>
+            <a:fontRef idx="minor">
+              <a:schemeClr val="lt1"/>
+            </a:fontRef>
+          </p:style>
+          <p:txBody>
+            <a:bodyPr rtlCol="0" anchor="ctr"/>
+            <a:lstStyle/>
+            <a:p>
+              <a:pPr algn="ctr"/>
+              <a:endParaRPr lang="zh-TW" altLang="en-US"/>
+            </a:p>
+          </p:txBody>
+        </p:sp>
+        <p:sp>
+          <p:nvSpPr>
+            <p:cNvPr id="29" name="拱形 28"/>
+            <p:cNvSpPr/>
+            <p:nvPr/>
+          </p:nvSpPr>
+          <p:spPr>
+            <a:xfrm>
+              <a:off x="1507067" y="768142"/>
+              <a:ext cx="795528" cy="1078992"/>
+            </a:xfrm>
+            <a:prstGeom prst="blockArc">
+              <a:avLst>
+                <a:gd name="adj1" fmla="val 1897355"/>
+                <a:gd name="adj2" fmla="val 19280511"/>
+                <a:gd name="adj3" fmla="val 24604"/>
+              </a:avLst>
+            </a:prstGeom>
+            <a:solidFill>
+              <a:schemeClr val="accent5">
+                <a:lumMod val="60000"/>
+                <a:lumOff val="40000"/>
+              </a:schemeClr>
+            </a:solidFill>
+            <a:ln>
+              <a:solidFill>
+                <a:schemeClr val="accent5">
+                  <a:lumMod val="60000"/>
+                  <a:lumOff val="40000"/>
+                </a:schemeClr>
+              </a:solidFill>
+            </a:ln>
+          </p:spPr>
+          <p:style>
+            <a:lnRef idx="2">
+              <a:schemeClr val="accent1">
+                <a:shade val="50000"/>
+              </a:schemeClr>
+            </a:lnRef>
+            <a:fillRef idx="1">
+              <a:schemeClr val="accent1"/>
+            </a:fillRef>
+            <a:effectRef idx="0">
+              <a:schemeClr val="accent1"/>
+            </a:effectRef>
+            <a:fontRef idx="minor">
+              <a:schemeClr val="lt1"/>
+            </a:fontRef>
+          </p:style>
+          <p:txBody>
+            <a:bodyPr rtlCol="0" anchor="ctr"/>
+            <a:lstStyle/>
+            <a:p>
+              <a:pPr algn="ctr"/>
+              <a:endParaRPr lang="zh-TW" altLang="en-US">
+                <a:solidFill>
+                  <a:schemeClr val="tx1"/>
+                </a:solidFill>
+              </a:endParaRPr>
+            </a:p>
+          </p:txBody>
+        </p:sp>
+      </p:grpSp>
     </p:spTree>
   </p:cSld>
   <p:clrMapOvr>
@@ -1493,7 +1642,7 @@
             <a:fld id="{B61BEF0D-F0BB-DE4B-95CE-6DB70DBA9567}" type="datetimeFigureOut">
               <a:rPr lang="en-US" dirty="0"/>
               <a:pPr/>
-              <a:t>12/12/2020</a:t>
+              <a:t>1/11/2021</a:t>
             </a:fld>
             <a:endParaRPr lang="en-US" dirty="0"/>
           </a:p>
@@ -1804,7 +1953,7 @@
             <a:fld id="{B61BEF0D-F0BB-DE4B-95CE-6DB70DBA9567}" type="datetimeFigureOut">
               <a:rPr lang="en-US" dirty="0"/>
               <a:pPr/>
-              <a:t>12/12/2020</a:t>
+              <a:t>1/11/2021</a:t>
             </a:fld>
             <a:endParaRPr lang="en-US" dirty="0"/>
           </a:p>
@@ -2134,7 +2283,7 @@
             <a:fld id="{B61BEF0D-F0BB-DE4B-95CE-6DB70DBA9567}" type="datetimeFigureOut">
               <a:rPr lang="en-US" dirty="0"/>
               <a:pPr/>
-              <a:t>12/12/2020</a:t>
+              <a:t>1/11/2021</a:t>
             </a:fld>
             <a:endParaRPr lang="en-US" dirty="0"/>
           </a:p>
@@ -2445,7 +2594,7 @@
             <a:fld id="{B61BEF0D-F0BB-DE4B-95CE-6DB70DBA9567}" type="datetimeFigureOut">
               <a:rPr lang="en-US" dirty="0"/>
               <a:pPr/>
-              <a:t>12/12/2020</a:t>
+              <a:t>1/11/2021</a:t>
             </a:fld>
             <a:endParaRPr lang="en-US" dirty="0"/>
           </a:p>
@@ -2835,7 +2984,7 @@
             <a:fld id="{B61BEF0D-F0BB-DE4B-95CE-6DB70DBA9567}" type="datetimeFigureOut">
               <a:rPr lang="en-US" dirty="0"/>
               <a:pPr/>
-              <a:t>12/12/2020</a:t>
+              <a:t>1/11/2021</a:t>
             </a:fld>
             <a:endParaRPr lang="en-US" dirty="0"/>
           </a:p>
@@ -3001,7 +3150,7 @@
           <a:p>
             <a:fld id="{55C6B4A9-1611-4792-9094-5F34BCA07E0B}" type="datetimeFigureOut">
               <a:rPr lang="en-US" dirty="0"/>
-              <a:t>12/12/2020</a:t>
+              <a:t>1/11/2021</a:t>
             </a:fld>
             <a:endParaRPr lang="en-US" dirty="0"/>
           </a:p>
@@ -3177,7 +3326,7 @@
             <a:fld id="{B61BEF0D-F0BB-DE4B-95CE-6DB70DBA9567}" type="datetimeFigureOut">
               <a:rPr lang="en-US" dirty="0"/>
               <a:pPr/>
-              <a:t>12/12/2020</a:t>
+              <a:t>1/11/2021</a:t>
             </a:fld>
             <a:endParaRPr lang="en-US" dirty="0"/>
           </a:p>
@@ -3343,7 +3492,7 @@
           <a:p>
             <a:fld id="{42A54C80-263E-416B-A8E0-580EDEADCBDC}" type="datetimeFigureOut">
               <a:rPr lang="en-US" dirty="0"/>
-              <a:t>12/12/2020</a:t>
+              <a:t>1/11/2021</a:t>
             </a:fld>
             <a:endParaRPr lang="en-US" dirty="0"/>
           </a:p>
@@ -3388,45 +3537,6 @@
               <a:t>‹#›</a:t>
             </a:fld>
             <a:endParaRPr lang="en-US" dirty="0"/>
-          </a:p>
-        </p:txBody>
-      </p:sp>
-      <p:sp>
-        <p:nvSpPr>
-          <p:cNvPr id="8" name="矩形 7"/>
-          <p:cNvSpPr/>
-          <p:nvPr userDrawn="1"/>
-        </p:nvSpPr>
-        <p:spPr>
-          <a:xfrm>
-            <a:off x="486494" y="6407742"/>
-            <a:ext cx="7189694" cy="584775"/>
-          </a:xfrm>
-          <a:prstGeom prst="rect">
-            <a:avLst/>
-          </a:prstGeom>
-        </p:spPr>
-        <p:txBody>
-          <a:bodyPr wrap="square">
-            <a:spAutoFit/>
-          </a:bodyPr>
-          <a:lstStyle/>
-          <a:p>
-            <a:r>
-              <a:rPr lang="zh-TW" altLang="en-US" sz="1600" dirty="0" smtClean="0"/>
-              <a:t>https://github.com/liulawsi/C_Class_202012/tree/main/Section</a:t>
-            </a:r>
-            <a:r>
-              <a:rPr lang="zh-TW" altLang="en-US" sz="1600" dirty="0" smtClean="0"/>
-              <a:t>0</a:t>
-            </a:r>
-            <a:r>
-              <a:rPr lang="en-US" altLang="zh-TW" sz="1600" dirty="0" smtClean="0"/>
-              <a:t>2</a:t>
-            </a:r>
-          </a:p>
-          <a:p>
-            <a:endParaRPr lang="zh-TW" altLang="en-US" sz="1600" dirty="0"/>
           </a:p>
         </p:txBody>
       </p:sp>
@@ -3632,7 +3742,7 @@
             <a:fld id="{B61BEF0D-F0BB-DE4B-95CE-6DB70DBA9567}" type="datetimeFigureOut">
               <a:rPr lang="en-US" dirty="0"/>
               <a:pPr/>
-              <a:t>12/12/2020</a:t>
+              <a:t>1/11/2021</a:t>
             </a:fld>
             <a:endParaRPr lang="en-US" dirty="0"/>
           </a:p>
@@ -3860,7 +3970,7 @@
           <a:p>
             <a:fld id="{42A54C80-263E-416B-A8E0-580EDEADCBDC}" type="datetimeFigureOut">
               <a:rPr lang="en-US" dirty="0"/>
-              <a:t>12/12/2020</a:t>
+              <a:t>1/11/2021</a:t>
             </a:fld>
             <a:endParaRPr lang="en-US" dirty="0"/>
           </a:p>
@@ -3931,11 +4041,7 @@
           <a:p>
             <a:r>
               <a:rPr lang="zh-TW" altLang="en-US" sz="1600" dirty="0" smtClean="0"/>
-              <a:t>https://github.com/liulawsi/C_Class_202012/tree/main/Section</a:t>
-            </a:r>
-            <a:r>
-              <a:rPr lang="zh-TW" altLang="en-US" sz="1600" dirty="0" smtClean="0"/>
-              <a:t>0</a:t>
+              <a:t>https://github.com/liulawsi/C_Class_202012/tree/main/Section0</a:t>
             </a:r>
             <a:r>
               <a:rPr lang="en-US" altLang="zh-TW" sz="1600" dirty="0" smtClean="0"/>
@@ -4274,7 +4380,7 @@
             <a:fld id="{B61BEF0D-F0BB-DE4B-95CE-6DB70DBA9567}" type="datetimeFigureOut">
               <a:rPr lang="en-US" dirty="0"/>
               <a:pPr/>
-              <a:t>12/12/2020</a:t>
+              <a:t>1/11/2021</a:t>
             </a:fld>
             <a:endParaRPr lang="en-US" dirty="0"/>
           </a:p>
@@ -4346,11 +4452,7 @@
           <a:p>
             <a:r>
               <a:rPr lang="zh-TW" altLang="en-US" sz="1600" dirty="0" smtClean="0"/>
-              <a:t>https://github.com/liulawsi/C_Class_202012/tree/main/Section</a:t>
-            </a:r>
-            <a:r>
-              <a:rPr lang="zh-TW" altLang="en-US" sz="1600" dirty="0" smtClean="0"/>
-              <a:t>0</a:t>
+              <a:t>https://github.com/liulawsi/C_Class_202012/tree/main/Section0</a:t>
             </a:r>
             <a:r>
               <a:rPr lang="en-US" altLang="zh-TW" sz="1600" dirty="0" smtClean="0"/>
@@ -4438,7 +4540,7 @@
             <a:fld id="{B61BEF0D-F0BB-DE4B-95CE-6DB70DBA9567}" type="datetimeFigureOut">
               <a:rPr lang="en-US" dirty="0"/>
               <a:pPr/>
-              <a:t>12/12/2020</a:t>
+              <a:t>1/11/2021</a:t>
             </a:fld>
             <a:endParaRPr lang="en-US" dirty="0"/>
           </a:p>
@@ -4530,7 +4632,7 @@
             <a:fld id="{B61BEF0D-F0BB-DE4B-95CE-6DB70DBA9567}" type="datetimeFigureOut">
               <a:rPr lang="en-US" dirty="0"/>
               <a:pPr/>
-              <a:t>12/12/2020</a:t>
+              <a:t>1/11/2021</a:t>
             </a:fld>
             <a:endParaRPr lang="en-US" dirty="0"/>
           </a:p>
@@ -4781,7 +4883,7 @@
           <a:p>
             <a:fld id="{42A54C80-263E-416B-A8E0-580EDEADCBDC}" type="datetimeFigureOut">
               <a:rPr lang="en-US" dirty="0"/>
-              <a:t>12/12/2020</a:t>
+              <a:t>1/11/2021</a:t>
             </a:fld>
             <a:endParaRPr lang="en-US" dirty="0"/>
           </a:p>
@@ -5083,7 +5185,7 @@
             <a:fld id="{B61BEF0D-F0BB-DE4B-95CE-6DB70DBA9567}" type="datetimeFigureOut">
               <a:rPr lang="en-US" dirty="0"/>
               <a:pPr/>
-              <a:t>12/12/2020</a:t>
+              <a:t>1/11/2021</a:t>
             </a:fld>
             <a:endParaRPr lang="en-US" dirty="0"/>
           </a:p>
@@ -5781,7 +5883,7 @@
             <a:fld id="{B61BEF0D-F0BB-DE4B-95CE-6DB70DBA9567}" type="datetimeFigureOut">
               <a:rPr lang="en-US" dirty="0"/>
               <a:pPr/>
-              <a:t>12/12/2020</a:t>
+              <a:t>1/11/2021</a:t>
             </a:fld>
             <a:endParaRPr lang="en-US" dirty="0"/>
           </a:p>
@@ -5861,6 +5963,188 @@
               <a:t>‹#›</a:t>
             </a:fld>
             <a:endParaRPr lang="en-US" dirty="0"/>
+          </a:p>
+        </p:txBody>
+      </p:sp>
+      <p:grpSp>
+        <p:nvGrpSpPr>
+          <p:cNvPr id="18" name="群組 17"/>
+          <p:cNvGrpSpPr/>
+          <p:nvPr userDrawn="1"/>
+        </p:nvGrpSpPr>
+        <p:grpSpPr>
+          <a:xfrm>
+            <a:off x="121259" y="81553"/>
+            <a:ext cx="556075" cy="528048"/>
+            <a:chOff x="1173311" y="676438"/>
+            <a:chExt cx="1463040" cy="1262399"/>
+          </a:xfrm>
+        </p:grpSpPr>
+        <p:sp>
+          <p:nvSpPr>
+            <p:cNvPr id="29" name="六邊形 28"/>
+            <p:cNvSpPr/>
+            <p:nvPr/>
+          </p:nvSpPr>
+          <p:spPr>
+            <a:xfrm>
+              <a:off x="1173311" y="676438"/>
+              <a:ext cx="1463040" cy="1262399"/>
+            </a:xfrm>
+            <a:prstGeom prst="hexagon">
+              <a:avLst/>
+            </a:prstGeom>
+            <a:gradFill flip="none" rotWithShape="1">
+              <a:gsLst>
+                <a:gs pos="0">
+                  <a:schemeClr val="accent2">
+                    <a:lumMod val="60000"/>
+                    <a:lumOff val="40000"/>
+                  </a:schemeClr>
+                </a:gs>
+                <a:gs pos="44000">
+                  <a:schemeClr val="accent2">
+                    <a:lumMod val="89000"/>
+                  </a:schemeClr>
+                </a:gs>
+                <a:gs pos="74000">
+                  <a:schemeClr val="accent2">
+                    <a:lumMod val="75000"/>
+                  </a:schemeClr>
+                </a:gs>
+                <a:gs pos="97000">
+                  <a:schemeClr val="accent2">
+                    <a:lumMod val="70000"/>
+                  </a:schemeClr>
+                </a:gs>
+              </a:gsLst>
+              <a:path path="circle">
+                <a:fillToRect l="50000" t="50000" r="50000" b="50000"/>
+              </a:path>
+              <a:tileRect/>
+            </a:gradFill>
+            <a:ln>
+              <a:noFill/>
+            </a:ln>
+          </p:spPr>
+          <p:style>
+            <a:lnRef idx="2">
+              <a:schemeClr val="accent1">
+                <a:shade val="50000"/>
+              </a:schemeClr>
+            </a:lnRef>
+            <a:fillRef idx="1">
+              <a:schemeClr val="accent1"/>
+            </a:fillRef>
+            <a:effectRef idx="0">
+              <a:schemeClr val="accent1"/>
+            </a:effectRef>
+            <a:fontRef idx="minor">
+              <a:schemeClr val="lt1"/>
+            </a:fontRef>
+          </p:style>
+          <p:txBody>
+            <a:bodyPr rtlCol="0" anchor="ctr"/>
+            <a:lstStyle/>
+            <a:p>
+              <a:pPr algn="ctr"/>
+              <a:endParaRPr lang="zh-TW" altLang="en-US"/>
+            </a:p>
+          </p:txBody>
+        </p:sp>
+        <p:sp>
+          <p:nvSpPr>
+            <p:cNvPr id="30" name="拱形 29"/>
+            <p:cNvSpPr/>
+            <p:nvPr/>
+          </p:nvSpPr>
+          <p:spPr>
+            <a:xfrm>
+              <a:off x="1507067" y="768142"/>
+              <a:ext cx="795528" cy="1078992"/>
+            </a:xfrm>
+            <a:prstGeom prst="blockArc">
+              <a:avLst>
+                <a:gd name="adj1" fmla="val 1897355"/>
+                <a:gd name="adj2" fmla="val 19280511"/>
+                <a:gd name="adj3" fmla="val 24604"/>
+              </a:avLst>
+            </a:prstGeom>
+            <a:solidFill>
+              <a:schemeClr val="accent5">
+                <a:lumMod val="60000"/>
+                <a:lumOff val="40000"/>
+              </a:schemeClr>
+            </a:solidFill>
+            <a:ln>
+              <a:solidFill>
+                <a:schemeClr val="accent5">
+                  <a:lumMod val="60000"/>
+                  <a:lumOff val="40000"/>
+                </a:schemeClr>
+              </a:solidFill>
+            </a:ln>
+          </p:spPr>
+          <p:style>
+            <a:lnRef idx="2">
+              <a:schemeClr val="accent1">
+                <a:shade val="50000"/>
+              </a:schemeClr>
+            </a:lnRef>
+            <a:fillRef idx="1">
+              <a:schemeClr val="accent1"/>
+            </a:fillRef>
+            <a:effectRef idx="0">
+              <a:schemeClr val="accent1"/>
+            </a:effectRef>
+            <a:fontRef idx="minor">
+              <a:schemeClr val="lt1"/>
+            </a:fontRef>
+          </p:style>
+          <p:txBody>
+            <a:bodyPr rtlCol="0" anchor="ctr"/>
+            <a:lstStyle/>
+            <a:p>
+              <a:pPr algn="ctr"/>
+              <a:endParaRPr lang="zh-TW" altLang="en-US">
+                <a:solidFill>
+                  <a:schemeClr val="tx1"/>
+                </a:solidFill>
+              </a:endParaRPr>
+            </a:p>
+          </p:txBody>
+        </p:sp>
+      </p:grpSp>
+      <p:sp>
+        <p:nvSpPr>
+          <p:cNvPr id="31" name="矩形 30"/>
+          <p:cNvSpPr/>
+          <p:nvPr userDrawn="1"/>
+        </p:nvSpPr>
+        <p:spPr>
+          <a:xfrm>
+            <a:off x="486494" y="6407742"/>
+            <a:ext cx="7189694" cy="338554"/>
+          </a:xfrm>
+          <a:prstGeom prst="rect">
+            <a:avLst/>
+          </a:prstGeom>
+        </p:spPr>
+        <p:txBody>
+          <a:bodyPr wrap="square">
+            <a:spAutoFit/>
+          </a:bodyPr>
+          <a:lstStyle/>
+          <a:p>
+            <a:r>
+              <a:rPr lang="zh-TW" altLang="en-US" sz="1600" dirty="0" smtClean="0"/>
+              <a:t>https://github.com/liulawsi/C_Class_202012/tree/main/Section0</a:t>
+            </a:r>
+            <a:r>
+              <a:rPr lang="en-US" altLang="zh-TW" sz="1600" dirty="0" smtClean="0"/>
+              <a:t>2</a:t>
+            </a:r>
+            <a:endParaRPr lang="zh-TW" altLang="en-US" sz="1600" dirty="0"/>
           </a:p>
         </p:txBody>
       </p:sp>
@@ -6364,7 +6648,7 @@
           <a:p>
             <a:fld id="{F50E03E7-DA65-4DD7-AE22-FE075DC9BB24}" type="datetime3">
               <a:rPr lang="zh-TW" altLang="zh-TW"/>
-              <a:t>109年12月12日</a:t>
+              <a:t>110年1月11日</a:t>
             </a:fld>
             <a:endParaRPr lang="zh-TW" altLang="en-US" dirty="0"/>
           </a:p>
@@ -7847,11 +8131,7 @@
           <a:p>
             <a:r>
               <a:rPr lang="zh-TW" altLang="en-US" dirty="0" smtClean="0"/>
-              <a:t>範例三參考</a:t>
-            </a:r>
-            <a:r>
-              <a:rPr lang="zh-TW" altLang="en-US" dirty="0" smtClean="0"/>
-              <a:t>程式碼</a:t>
+              <a:t>範例三參考程式碼</a:t>
             </a:r>
             <a:endParaRPr lang="zh-TW" altLang="en-US" dirty="0"/>
           </a:p>
@@ -8563,11 +8843,7 @@
             </a:r>
             <a:r>
               <a:rPr lang="zh-TW" altLang="en-US" dirty="0" smtClean="0"/>
-              <a:t>時，表示條件永遠成立</a:t>
-            </a:r>
-            <a:r>
-              <a:rPr lang="zh-TW" altLang="en-US" dirty="0" smtClean="0"/>
-              <a:t>！</a:t>
+              <a:t>時，表示條件永遠成立！</a:t>
             </a:r>
             <a:r>
               <a:rPr lang="en-US" altLang="zh-TW" dirty="0" smtClean="0"/>
@@ -8589,7 +8865,6 @@
               <a:rPr lang="en-US" altLang="zh-TW" dirty="0" smtClean="0"/>
               <a:t>true)</a:t>
             </a:r>
-            <a:endParaRPr lang="en-US" altLang="zh-TW" dirty="0" smtClean="0"/>
           </a:p>
           <a:p>
             <a:r>
@@ -9367,15 +9642,7 @@
                   <a:srgbClr val="0070C0"/>
                 </a:solidFill>
               </a:rPr>
-              <a:t>(1</a:t>
-            </a:r>
-            <a:r>
-              <a:rPr lang="en-US" altLang="zh-TW" b="1" u="sng" dirty="0" smtClean="0">
-                <a:solidFill>
-                  <a:srgbClr val="0070C0"/>
-                </a:solidFill>
-              </a:rPr>
-              <a:t>)</a:t>
+              <a:t>(1)</a:t>
             </a:r>
             <a:r>
               <a:rPr lang="zh-TW" altLang="en-US" b="1" u="sng" dirty="0" smtClean="0">
@@ -9415,15 +9682,7 @@
                   <a:srgbClr val="C00000"/>
                 </a:solidFill>
               </a:rPr>
-              <a:t>(2</a:t>
-            </a:r>
-            <a:r>
-              <a:rPr lang="en-US" altLang="zh-TW" b="1" u="sng" dirty="0" smtClean="0">
-                <a:solidFill>
-                  <a:srgbClr val="C00000"/>
-                </a:solidFill>
-              </a:rPr>
-              <a:t>) </a:t>
+              <a:t>(2) </a:t>
             </a:r>
             <a:r>
               <a:rPr lang="zh-TW" altLang="en-US" dirty="0" smtClean="0">
@@ -9455,15 +9714,7 @@
                   <a:srgbClr val="C00000"/>
                 </a:solidFill>
               </a:rPr>
-              <a:t>(</a:t>
-            </a:r>
-            <a:r>
-              <a:rPr lang="en-US" altLang="zh-TW" b="1" u="sng" dirty="0" smtClean="0">
-                <a:solidFill>
-                  <a:srgbClr val="C00000"/>
-                </a:solidFill>
-              </a:rPr>
-              <a:t>3) </a:t>
+              <a:t>(3) </a:t>
             </a:r>
             <a:r>
               <a:rPr lang="en-US" altLang="zh-TW" b="1" dirty="0" smtClean="0">
@@ -13343,11 +13594,7 @@
             </a:r>
             <a:r>
               <a:rPr lang="zh-TW" altLang="en-US" dirty="0" smtClean="0"/>
-              <a:t>的</a:t>
-            </a:r>
-            <a:r>
-              <a:rPr lang="zh-TW" altLang="en-US" dirty="0" smtClean="0"/>
-              <a:t>倍數</a:t>
+              <a:t>的倍數</a:t>
             </a:r>
             <a:r>
               <a:rPr lang="en-US" altLang="zh-TW" dirty="0"/>
